--- a/Solar_Project_EDA.pptx
+++ b/Solar_Project_EDA.pptx
@@ -7,12 +7,14 @@
   <p:sldIdLst>
     <p:sldId id="263" r:id="rId2"/>
     <p:sldId id="257" r:id="rId3"/>
-    <p:sldId id="258" r:id="rId4"/>
-    <p:sldId id="261" r:id="rId5"/>
-    <p:sldId id="259" r:id="rId6"/>
-    <p:sldId id="264" r:id="rId7"/>
-    <p:sldId id="260" r:id="rId8"/>
-    <p:sldId id="262" r:id="rId9"/>
+    <p:sldId id="265" r:id="rId4"/>
+    <p:sldId id="258" r:id="rId5"/>
+    <p:sldId id="261" r:id="rId6"/>
+    <p:sldId id="259" r:id="rId7"/>
+    <p:sldId id="264" r:id="rId8"/>
+    <p:sldId id="260" r:id="rId9"/>
+    <p:sldId id="266" r:id="rId10"/>
+    <p:sldId id="262" r:id="rId11"/>
   </p:sldIdLst>
   <p:sldSz cx="12192000" cy="6858000"/>
   <p:notesSz cx="6858000" cy="9144000"/>
@@ -4008,6 +4010,541 @@
 </p:sld>
 </file>
 
+<file path=ppt/slides/slide10.xml><?xml version="1.0" encoding="utf-8"?>
+<p:sld xmlns:a="http://schemas.openxmlformats.org/drawingml/2006/main" xmlns:r="http://schemas.openxmlformats.org/officeDocument/2006/relationships" xmlns:p="http://schemas.openxmlformats.org/presentationml/2006/main">
+  <p:cSld>
+    <p:spTree>
+      <p:nvGrpSpPr>
+        <p:cNvPr id="1" name=""/>
+        <p:cNvGrpSpPr/>
+        <p:nvPr/>
+      </p:nvGrpSpPr>
+      <p:grpSpPr>
+        <a:xfrm>
+          <a:off x="0" y="0"/>
+          <a:ext cx="0" cy="0"/>
+          <a:chOff x="0" y="0"/>
+          <a:chExt cx="0" cy="0"/>
+        </a:xfrm>
+      </p:grpSpPr>
+      <p:sp>
+        <p:nvSpPr>
+          <p:cNvPr id="2" name="Titel 1">
+            <a:extLst>
+              <a:ext uri="{FF2B5EF4-FFF2-40B4-BE49-F238E27FC236}">
+                <a16:creationId xmlns:a16="http://schemas.microsoft.com/office/drawing/2014/main" id="{8C2CCAD8-D765-AF6F-9C29-454A1AA13F5E}"/>
+              </a:ext>
+            </a:extLst>
+          </p:cNvPr>
+          <p:cNvSpPr>
+            <a:spLocks noGrp="1"/>
+          </p:cNvSpPr>
+          <p:nvPr>
+            <p:ph type="title"/>
+          </p:nvPr>
+        </p:nvSpPr>
+        <p:spPr/>
+        <p:txBody>
+          <a:bodyPr>
+            <a:normAutofit/>
+          </a:bodyPr>
+          <a:lstStyle/>
+          <a:p>
+            <a:r>
+              <a:rPr lang="de-DE" dirty="0" err="1"/>
+              <a:t>Conclusion</a:t>
+            </a:r>
+            <a:r>
+              <a:rPr lang="de-DE" dirty="0"/>
+              <a:t> and Outlook</a:t>
+            </a:r>
+          </a:p>
+        </p:txBody>
+      </p:sp>
+      <p:sp>
+        <p:nvSpPr>
+          <p:cNvPr id="3" name="Inhaltsplatzhalter 2">
+            <a:extLst>
+              <a:ext uri="{FF2B5EF4-FFF2-40B4-BE49-F238E27FC236}">
+                <a16:creationId xmlns:a16="http://schemas.microsoft.com/office/drawing/2014/main" id="{E6599D0C-BE70-34F9-7185-814305942AB1}"/>
+              </a:ext>
+            </a:extLst>
+          </p:cNvPr>
+          <p:cNvSpPr>
+            <a:spLocks noGrp="1"/>
+          </p:cNvSpPr>
+          <p:nvPr>
+            <p:ph idx="1"/>
+          </p:nvPr>
+        </p:nvSpPr>
+        <p:spPr/>
+        <p:txBody>
+          <a:bodyPr/>
+          <a:lstStyle/>
+          <a:p>
+            <a:r>
+              <a:rPr lang="de-DE" dirty="0"/>
+              <a:t>Forecast and </a:t>
+            </a:r>
+            <a:r>
+              <a:rPr lang="de-DE" dirty="0" err="1"/>
+              <a:t>prediction</a:t>
+            </a:r>
+            <a:r>
+              <a:rPr lang="de-DE" dirty="0"/>
+              <a:t> </a:t>
+            </a:r>
+            <a:r>
+              <a:rPr lang="de-DE" dirty="0" err="1"/>
+              <a:t>are</a:t>
+            </a:r>
+            <a:r>
+              <a:rPr lang="de-DE" dirty="0"/>
+              <a:t> </a:t>
+            </a:r>
+            <a:r>
+              <a:rPr lang="de-DE" dirty="0" err="1"/>
+              <a:t>both</a:t>
+            </a:r>
+            <a:r>
+              <a:rPr lang="de-DE" dirty="0"/>
+              <a:t> valid, </a:t>
+            </a:r>
+            <a:r>
+              <a:rPr lang="de-DE" dirty="0" err="1"/>
+              <a:t>usability</a:t>
+            </a:r>
+            <a:r>
+              <a:rPr lang="de-DE" dirty="0"/>
+              <a:t> </a:t>
+            </a:r>
+            <a:r>
+              <a:rPr lang="de-DE" dirty="0" err="1"/>
+              <a:t>is</a:t>
+            </a:r>
+            <a:r>
+              <a:rPr lang="de-DE" dirty="0"/>
+              <a:t> </a:t>
+            </a:r>
+            <a:r>
+              <a:rPr lang="de-DE" dirty="0" err="1"/>
+              <a:t>given</a:t>
+            </a:r>
+            <a:r>
+              <a:rPr lang="de-DE" dirty="0"/>
+              <a:t>, </a:t>
+            </a:r>
+            <a:r>
+              <a:rPr lang="de-DE" dirty="0" err="1"/>
+              <a:t>with</a:t>
+            </a:r>
+            <a:r>
+              <a:rPr lang="de-DE" dirty="0"/>
+              <a:t> </a:t>
+            </a:r>
+            <a:r>
+              <a:rPr lang="de-DE" dirty="0" err="1"/>
+              <a:t>very</a:t>
+            </a:r>
+            <a:r>
+              <a:rPr lang="de-DE" dirty="0"/>
+              <a:t> different </a:t>
+            </a:r>
+            <a:r>
+              <a:rPr lang="de-DE" dirty="0" err="1"/>
+              <a:t>use</a:t>
+            </a:r>
+            <a:r>
+              <a:rPr lang="de-DE" dirty="0"/>
+              <a:t> </a:t>
+            </a:r>
+            <a:r>
+              <a:rPr lang="de-DE" dirty="0" err="1"/>
+              <a:t>cases</a:t>
+            </a:r>
+            <a:endParaRPr lang="de-DE" dirty="0"/>
+          </a:p>
+          <a:p>
+            <a:r>
+              <a:rPr lang="de-DE" dirty="0"/>
+              <a:t>Additional </a:t>
+            </a:r>
+            <a:r>
+              <a:rPr lang="de-DE" dirty="0" err="1"/>
+              <a:t>data</a:t>
+            </a:r>
+            <a:r>
+              <a:rPr lang="de-DE" dirty="0"/>
+              <a:t> </a:t>
+            </a:r>
+            <a:r>
+              <a:rPr lang="de-DE" dirty="0" err="1"/>
+              <a:t>can</a:t>
+            </a:r>
+            <a:r>
+              <a:rPr lang="de-DE" dirty="0"/>
+              <a:t> </a:t>
+            </a:r>
+            <a:r>
+              <a:rPr lang="de-DE" dirty="0" err="1"/>
+              <a:t>be</a:t>
+            </a:r>
+            <a:r>
+              <a:rPr lang="de-DE" dirty="0"/>
+              <a:t> </a:t>
+            </a:r>
+            <a:r>
+              <a:rPr lang="de-DE" dirty="0" err="1"/>
+              <a:t>used</a:t>
+            </a:r>
+            <a:r>
+              <a:rPr lang="de-DE" dirty="0"/>
+              <a:t> </a:t>
+            </a:r>
+            <a:r>
+              <a:rPr lang="de-DE" dirty="0" err="1"/>
+              <a:t>fore</a:t>
+            </a:r>
+            <a:r>
+              <a:rPr lang="de-DE" dirty="0"/>
+              <a:t> </a:t>
+            </a:r>
+            <a:r>
+              <a:rPr lang="de-DE" dirty="0" err="1"/>
+              <a:t>increased</a:t>
+            </a:r>
+            <a:r>
+              <a:rPr lang="de-DE" dirty="0"/>
+              <a:t> </a:t>
+            </a:r>
+            <a:r>
+              <a:rPr lang="de-DE" dirty="0" err="1"/>
+              <a:t>precision</a:t>
+            </a:r>
+            <a:endParaRPr lang="de-DE" dirty="0"/>
+          </a:p>
+          <a:p>
+            <a:r>
+              <a:rPr lang="de-DE" dirty="0"/>
+              <a:t>Further </a:t>
+            </a:r>
+            <a:r>
+              <a:rPr lang="de-DE" dirty="0" err="1"/>
+              <a:t>scale</a:t>
+            </a:r>
+            <a:r>
+              <a:rPr lang="de-DE" dirty="0"/>
+              <a:t> </a:t>
+            </a:r>
+            <a:r>
+              <a:rPr lang="de-DE" dirty="0" err="1"/>
+              <a:t>of</a:t>
+            </a:r>
+            <a:r>
+              <a:rPr lang="de-DE" dirty="0"/>
+              <a:t> </a:t>
+            </a:r>
+            <a:r>
+              <a:rPr lang="de-DE" dirty="0" err="1"/>
+              <a:t>this</a:t>
+            </a:r>
+            <a:r>
+              <a:rPr lang="de-DE" dirty="0"/>
+              <a:t> </a:t>
+            </a:r>
+            <a:r>
+              <a:rPr lang="de-DE" dirty="0" err="1"/>
+              <a:t>project</a:t>
+            </a:r>
+            <a:r>
+              <a:rPr lang="de-DE" dirty="0"/>
+              <a:t> </a:t>
+            </a:r>
+            <a:r>
+              <a:rPr lang="de-DE" dirty="0" err="1"/>
+              <a:t>could</a:t>
+            </a:r>
+            <a:r>
+              <a:rPr lang="de-DE" dirty="0"/>
+              <a:t> </a:t>
+            </a:r>
+            <a:r>
+              <a:rPr lang="de-DE" dirty="0" err="1"/>
+              <a:t>be</a:t>
+            </a:r>
+            <a:r>
+              <a:rPr lang="de-DE" dirty="0"/>
+              <a:t> different </a:t>
+            </a:r>
+            <a:r>
+              <a:rPr lang="de-DE" dirty="0" err="1"/>
+              <a:t>states</a:t>
+            </a:r>
+            <a:r>
+              <a:rPr lang="de-DE" dirty="0"/>
+              <a:t>, countries and type </a:t>
+            </a:r>
+            <a:r>
+              <a:rPr lang="de-DE" dirty="0" err="1"/>
+              <a:t>of</a:t>
+            </a:r>
+            <a:r>
+              <a:rPr lang="de-DE" dirty="0"/>
+              <a:t> </a:t>
+            </a:r>
+            <a:r>
+              <a:rPr lang="de-DE" dirty="0" err="1"/>
+              <a:t>renewable</a:t>
+            </a:r>
+            <a:r>
+              <a:rPr lang="de-DE" dirty="0"/>
+              <a:t> </a:t>
+            </a:r>
+            <a:r>
+              <a:rPr lang="de-DE" dirty="0" err="1"/>
+              <a:t>energy</a:t>
+            </a:r>
+            <a:r>
+              <a:rPr lang="de-DE" dirty="0"/>
+              <a:t> (wind)</a:t>
+            </a:r>
+          </a:p>
+          <a:p>
+            <a:r>
+              <a:rPr lang="de-DE" dirty="0"/>
+              <a:t>Regression-approach </a:t>
+            </a:r>
+            <a:r>
+              <a:rPr lang="de-DE" dirty="0" err="1"/>
+              <a:t>for</a:t>
+            </a:r>
+            <a:r>
+              <a:rPr lang="de-DE" dirty="0"/>
+              <a:t> </a:t>
+            </a:r>
+            <a:r>
+              <a:rPr lang="de-DE" dirty="0" err="1"/>
+              <a:t>forecasting</a:t>
+            </a:r>
+            <a:r>
+              <a:rPr lang="de-DE" dirty="0"/>
+              <a:t>: </a:t>
+            </a:r>
+            <a:r>
+              <a:rPr lang="de-DE" dirty="0" err="1"/>
+              <a:t>using</a:t>
+            </a:r>
+            <a:r>
+              <a:rPr lang="de-DE" dirty="0"/>
+              <a:t> </a:t>
+            </a:r>
+            <a:r>
+              <a:rPr lang="de-DE" dirty="0" err="1"/>
+              <a:t>trends</a:t>
+            </a:r>
+            <a:r>
+              <a:rPr lang="de-DE" dirty="0"/>
+              <a:t> and </a:t>
+            </a:r>
+            <a:r>
+              <a:rPr lang="de-DE" dirty="0" err="1"/>
+              <a:t>means</a:t>
+            </a:r>
+            <a:r>
+              <a:rPr lang="de-DE" dirty="0"/>
+              <a:t> </a:t>
+            </a:r>
+            <a:r>
+              <a:rPr lang="de-DE" dirty="0" err="1"/>
+              <a:t>of</a:t>
+            </a:r>
+            <a:r>
+              <a:rPr lang="de-DE" dirty="0"/>
+              <a:t> </a:t>
+            </a:r>
+            <a:r>
+              <a:rPr lang="de-DE" dirty="0" err="1"/>
+              <a:t>given</a:t>
+            </a:r>
+            <a:r>
+              <a:rPr lang="de-DE" dirty="0"/>
+              <a:t> </a:t>
+            </a:r>
+            <a:r>
+              <a:rPr lang="de-DE" dirty="0" err="1"/>
+              <a:t>data</a:t>
+            </a:r>
+            <a:endParaRPr lang="de-DE" dirty="0"/>
+          </a:p>
+          <a:p>
+            <a:endParaRPr lang="de-DE" dirty="0"/>
+          </a:p>
+          <a:p>
+            <a:endParaRPr lang="de-DE" dirty="0"/>
+          </a:p>
+        </p:txBody>
+      </p:sp>
+      <p:sp>
+        <p:nvSpPr>
+          <p:cNvPr id="4" name="Rectangle 38">
+            <a:extLst>
+              <a:ext uri="{FF2B5EF4-FFF2-40B4-BE49-F238E27FC236}">
+                <a16:creationId xmlns:a16="http://schemas.microsoft.com/office/drawing/2014/main" id="{49980DD9-7D6C-2AE3-C37D-D02821E9217B}"/>
+              </a:ext>
+            </a:extLst>
+          </p:cNvPr>
+          <p:cNvSpPr>
+            <a:spLocks noMove="1" noResize="1"/>
+          </p:cNvSpPr>
+          <p:nvPr/>
+        </p:nvSpPr>
+        <p:spPr>
+          <a:xfrm rot="10800009" flipH="1">
+            <a:off x="0" y="6400781"/>
+            <a:ext cx="12191996" cy="456770"/>
+          </a:xfrm>
+          <a:prstGeom prst="rect">
+            <a:avLst/>
+          </a:prstGeom>
+          <a:gradFill>
+            <a:gsLst>
+              <a:gs pos="0">
+                <a:srgbClr val="156082"/>
+              </a:gs>
+              <a:gs pos="100000">
+                <a:srgbClr val="000000"/>
+              </a:gs>
+            </a:gsLst>
+            <a:lin ang="10200000"/>
+          </a:gradFill>
+          <a:ln cap="flat">
+            <a:noFill/>
+            <a:prstDash val="solid"/>
+          </a:ln>
+        </p:spPr>
+        <p:txBody>
+          <a:bodyPr vert="horz" wrap="square" lIns="91440" tIns="45720" rIns="91440" bIns="45720" anchor="ctr" anchorCtr="1" compatLnSpc="1">
+            <a:noAutofit/>
+          </a:bodyPr>
+          <a:lstStyle/>
+          <a:p>
+            <a:pPr marL="0" marR="0" lvl="0" indent="0" algn="ctr" defTabSz="914400" rtl="0" fontAlgn="auto" hangingPunct="1">
+              <a:lnSpc>
+                <a:spcPct val="100000"/>
+              </a:lnSpc>
+              <a:spcBef>
+                <a:spcPts val="0"/>
+              </a:spcBef>
+              <a:spcAft>
+                <a:spcPts val="0"/>
+              </a:spcAft>
+              <a:buNone/>
+              <a:tabLst/>
+              <a:defRPr sz="1800" b="0" i="0" u="none" strike="noStrike" kern="0" cap="none" spc="0" baseline="0">
+                <a:solidFill>
+                  <a:srgbClr val="000000"/>
+                </a:solidFill>
+                <a:uFillTx/>
+              </a:defRPr>
+            </a:pPr>
+            <a:endParaRPr lang="en-US" sz="1800" b="0" i="0" u="none" strike="noStrike" kern="1200" cap="none" spc="0" baseline="0">
+              <a:solidFill>
+                <a:srgbClr val="FFFFFF"/>
+              </a:solidFill>
+              <a:uFillTx/>
+              <a:latin typeface="Aptos"/>
+            </a:endParaRPr>
+          </a:p>
+        </p:txBody>
+      </p:sp>
+      <p:sp>
+        <p:nvSpPr>
+          <p:cNvPr id="5" name="Rectangle 40">
+            <a:extLst>
+              <a:ext uri="{FF2B5EF4-FFF2-40B4-BE49-F238E27FC236}">
+                <a16:creationId xmlns:a16="http://schemas.microsoft.com/office/drawing/2014/main" id="{B27790DE-E4CC-EA1E-0485-C064D453DCD5}"/>
+              </a:ext>
+            </a:extLst>
+          </p:cNvPr>
+          <p:cNvSpPr>
+            <a:spLocks noMove="1" noResize="1"/>
+          </p:cNvSpPr>
+          <p:nvPr/>
+        </p:nvSpPr>
+        <p:spPr>
+          <a:xfrm flipH="1">
+            <a:off x="0" y="6400800"/>
+            <a:ext cx="8153393" cy="456770"/>
+          </a:xfrm>
+          <a:prstGeom prst="rect">
+            <a:avLst/>
+          </a:prstGeom>
+          <a:gradFill>
+            <a:gsLst>
+              <a:gs pos="0">
+                <a:srgbClr val="000000">
+                  <a:alpha val="63000"/>
+                </a:srgbClr>
+              </a:gs>
+              <a:gs pos="100000">
+                <a:srgbClr val="104862"/>
+              </a:gs>
+            </a:gsLst>
+            <a:lin ang="17400000"/>
+          </a:gradFill>
+          <a:ln cap="flat">
+            <a:noFill/>
+            <a:prstDash val="solid"/>
+          </a:ln>
+        </p:spPr>
+        <p:txBody>
+          <a:bodyPr vert="horz" wrap="square" lIns="91440" tIns="45720" rIns="91440" bIns="45720" anchor="ctr" anchorCtr="1" compatLnSpc="1">
+            <a:noAutofit/>
+          </a:bodyPr>
+          <a:lstStyle/>
+          <a:p>
+            <a:pPr marL="0" marR="0" lvl="0" indent="0" algn="ctr" defTabSz="914400" rtl="0" fontAlgn="auto" hangingPunct="1">
+              <a:lnSpc>
+                <a:spcPct val="100000"/>
+              </a:lnSpc>
+              <a:spcBef>
+                <a:spcPts val="0"/>
+              </a:spcBef>
+              <a:spcAft>
+                <a:spcPts val="0"/>
+              </a:spcAft>
+              <a:buNone/>
+              <a:tabLst/>
+              <a:defRPr sz="1800" b="0" i="0" u="none" strike="noStrike" kern="0" cap="none" spc="0" baseline="0">
+                <a:solidFill>
+                  <a:srgbClr val="000000"/>
+                </a:solidFill>
+                <a:uFillTx/>
+              </a:defRPr>
+            </a:pPr>
+            <a:endParaRPr lang="en-US" sz="1800" b="0" i="0" u="none" strike="noStrike" kern="1200" cap="none" spc="0" baseline="0">
+              <a:solidFill>
+                <a:srgbClr val="FFFFFF"/>
+              </a:solidFill>
+              <a:uFillTx/>
+              <a:latin typeface="Aptos"/>
+            </a:endParaRPr>
+          </a:p>
+        </p:txBody>
+      </p:sp>
+    </p:spTree>
+    <p:extLst>
+      <p:ext uri="{BB962C8B-B14F-4D97-AF65-F5344CB8AC3E}">
+        <p14:creationId xmlns:p14="http://schemas.microsoft.com/office/powerpoint/2010/main" val="955198207"/>
+      </p:ext>
+    </p:extLst>
+  </p:cSld>
+  <p:clrMapOvr>
+    <a:masterClrMapping/>
+  </p:clrMapOvr>
+</p:sld>
+</file>
+
 <file path=ppt/slides/slide2.xml><?xml version="1.0" encoding="utf-8"?>
 <p:sld xmlns:a="http://schemas.openxmlformats.org/drawingml/2006/main" xmlns:r="http://schemas.openxmlformats.org/officeDocument/2006/relationships" xmlns:p="http://schemas.openxmlformats.org/presentationml/2006/main">
   <p:cSld>
@@ -4190,7 +4727,7 @@
         </p:nvSpPr>
         <p:spPr>
           <a:xfrm>
-            <a:off x="838200" y="336989"/>
+            <a:off x="992948" y="336989"/>
             <a:ext cx="10515600" cy="1488636"/>
           </a:xfrm>
           <a:solidFill>
@@ -4225,13 +4762,17 @@
           </p:nvPr>
         </p:nvSpPr>
         <p:spPr>
+          <a:xfrm>
+            <a:off x="992946" y="1825625"/>
+            <a:ext cx="10515600" cy="4351338"/>
+          </a:xfrm>
           <a:solidFill>
             <a:schemeClr val="bg1"/>
           </a:solidFill>
         </p:spPr>
         <p:txBody>
           <a:bodyPr>
-            <a:normAutofit lnSpcReduction="10000"/>
+            <a:normAutofit/>
           </a:bodyPr>
           <a:lstStyle/>
           <a:p>
@@ -4241,6 +4782,14 @@
             </a:r>
             <a:r>
               <a:rPr lang="de-DE" dirty="0" err="1"/>
+              <a:t>short</a:t>
+            </a:r>
+            <a:r>
+              <a:rPr lang="de-DE" dirty="0"/>
+              <a:t>-term </a:t>
+            </a:r>
+            <a:r>
+              <a:rPr lang="de-DE" dirty="0" err="1"/>
               <a:t>prediction</a:t>
             </a:r>
             <a:r>
@@ -4356,6 +4905,14 @@
             </a:r>
             <a:r>
               <a:rPr lang="de-DE" dirty="0" err="1"/>
+              <a:t>long</a:t>
+            </a:r>
+            <a:r>
+              <a:rPr lang="de-DE" dirty="0"/>
+              <a:t>-term </a:t>
+            </a:r>
+            <a:r>
+              <a:rPr lang="de-DE" dirty="0" err="1"/>
               <a:t>forecast</a:t>
             </a:r>
             <a:r>
@@ -4441,118 +4998,6 @@
             <a:r>
               <a:rPr lang="de-DE" dirty="0"/>
               <a:t> 2015 – 2023</a:t>
-            </a:r>
-          </a:p>
-          <a:p>
-            <a:endParaRPr lang="de-DE" dirty="0"/>
-          </a:p>
-          <a:p>
-            <a:pPr marL="0" indent="0">
-              <a:buNone/>
-            </a:pPr>
-            <a:r>
-              <a:rPr lang="de-DE" sz="3200" dirty="0"/>
-              <a:t>Data Gathering:</a:t>
-            </a:r>
-          </a:p>
-          <a:p>
-            <a:r>
-              <a:rPr lang="de-DE" dirty="0" err="1"/>
-              <a:t>Production</a:t>
-            </a:r>
-            <a:r>
-              <a:rPr lang="de-DE" dirty="0"/>
-              <a:t> Data: TenneT </a:t>
-            </a:r>
-            <a:r>
-              <a:rPr lang="de-DE" sz="1800" dirty="0"/>
-              <a:t>(</a:t>
-            </a:r>
-            <a:r>
-              <a:rPr lang="de-DE" sz="1900" i="1" dirty="0"/>
-              <a:t>Transmission System Operator</a:t>
-            </a:r>
-            <a:r>
-              <a:rPr lang="de-DE" sz="1800" b="0" dirty="0">
-                <a:solidFill>
-                  <a:srgbClr val="202122"/>
-                </a:solidFill>
-                <a:effectLst/>
-                <a:latin typeface="Arial" panose="020B0604020202020204" pitchFamily="34" charset="0"/>
-              </a:rPr>
-              <a:t>)</a:t>
-            </a:r>
-            <a:endParaRPr lang="de-DE" sz="1800" dirty="0"/>
-          </a:p>
-          <a:p>
-            <a:r>
-              <a:rPr lang="de-DE" dirty="0"/>
-              <a:t>Solar Panels </a:t>
-            </a:r>
-            <a:r>
-              <a:rPr lang="de-DE" dirty="0" err="1"/>
-              <a:t>Capacity</a:t>
-            </a:r>
-            <a:r>
-              <a:rPr lang="de-DE" dirty="0"/>
-              <a:t>: Marktstammdatenregister </a:t>
-            </a:r>
-            <a:r>
-              <a:rPr lang="de-DE" sz="1900" dirty="0"/>
-              <a:t>(</a:t>
-            </a:r>
-            <a:r>
-              <a:rPr lang="de-DE" sz="1900" i="1" dirty="0" err="1"/>
-              <a:t>by</a:t>
-            </a:r>
-            <a:r>
-              <a:rPr lang="de-DE" sz="1900" i="1" dirty="0"/>
-              <a:t> Bundesnetzagentur</a:t>
-            </a:r>
-            <a:r>
-              <a:rPr lang="de-DE" sz="1900" b="0" dirty="0">
-                <a:solidFill>
-                  <a:srgbClr val="202122"/>
-                </a:solidFill>
-                <a:effectLst/>
-                <a:latin typeface="Arial" panose="020B0604020202020204" pitchFamily="34" charset="0"/>
-              </a:rPr>
-              <a:t>)</a:t>
-            </a:r>
-            <a:endParaRPr lang="de-DE" dirty="0"/>
-          </a:p>
-          <a:p>
-            <a:r>
-              <a:rPr lang="de-DE" dirty="0" err="1"/>
-              <a:t>Weather</a:t>
-            </a:r>
-            <a:r>
-              <a:rPr lang="de-DE" dirty="0"/>
-              <a:t> Data: 6 </a:t>
-            </a:r>
-            <a:r>
-              <a:rPr lang="de-DE" dirty="0" err="1"/>
-              <a:t>Stations</a:t>
-            </a:r>
-            <a:r>
-              <a:rPr lang="de-DE" dirty="0"/>
-              <a:t> in Bavaria</a:t>
-            </a:r>
-            <a:r>
-              <a:rPr lang="de-DE" sz="1900" dirty="0"/>
-              <a:t> (</a:t>
-            </a:r>
-            <a:r>
-              <a:rPr lang="de-DE" sz="1900" i="1" dirty="0" err="1"/>
-              <a:t>from</a:t>
-            </a:r>
-            <a:r>
-              <a:rPr lang="de-DE" sz="1900" i="1" dirty="0"/>
-              <a:t> Deutscher Wetterdienst(DWD)</a:t>
-            </a:r>
-            <a:r>
-              <a:rPr lang="de-DE" sz="1900" dirty="0"/>
-              <a:t>)</a:t>
             </a:r>
           </a:p>
         </p:txBody>
@@ -4571,6 +5016,533 @@
 </file>
 
 <file path=ppt/slides/slide3.xml><?xml version="1.0" encoding="utf-8"?>
+<p:sld xmlns:a="http://schemas.openxmlformats.org/drawingml/2006/main" xmlns:r="http://schemas.openxmlformats.org/officeDocument/2006/relationships" xmlns:p="http://schemas.openxmlformats.org/presentationml/2006/main">
+  <p:cSld>
+    <p:spTree>
+      <p:nvGrpSpPr>
+        <p:cNvPr id="1" name=""/>
+        <p:cNvGrpSpPr/>
+        <p:nvPr/>
+      </p:nvGrpSpPr>
+      <p:grpSpPr>
+        <a:xfrm>
+          <a:off x="0" y="0"/>
+          <a:ext cx="0" cy="0"/>
+          <a:chOff x="0" y="0"/>
+          <a:chExt cx="0" cy="0"/>
+        </a:xfrm>
+      </p:grpSpPr>
+      <p:grpSp>
+        <p:nvGrpSpPr>
+          <p:cNvPr id="4" name="Group 29">
+            <a:extLst>
+              <a:ext uri="{FF2B5EF4-FFF2-40B4-BE49-F238E27FC236}">
+                <a16:creationId xmlns:a16="http://schemas.microsoft.com/office/drawing/2014/main" id="{803B1881-C8C0-2C1F-9852-DAEAAFCA5D32}"/>
+              </a:ext>
+            </a:extLst>
+          </p:cNvPr>
+          <p:cNvGrpSpPr/>
+          <p:nvPr/>
+        </p:nvGrpSpPr>
+        <p:grpSpPr>
+          <a:xfrm>
+            <a:off x="454742" y="10733"/>
+            <a:ext cx="527709" cy="5860032"/>
+            <a:chOff x="325727" y="9"/>
+            <a:chExt cx="527709" cy="5860032"/>
+          </a:xfrm>
+        </p:grpSpPr>
+        <p:sp>
+          <p:nvSpPr>
+            <p:cNvPr id="5" name="Rectangle 23">
+              <a:extLst>
+                <a:ext uri="{FF2B5EF4-FFF2-40B4-BE49-F238E27FC236}">
+                  <a16:creationId xmlns:a16="http://schemas.microsoft.com/office/drawing/2014/main" id="{4BB1B9F3-87D0-B65E-BB78-9D7E02195A5B}"/>
+                </a:ext>
+              </a:extLst>
+            </p:cNvPr>
+            <p:cNvSpPr/>
+            <p:nvPr/>
+          </p:nvSpPr>
+          <p:spPr>
+            <a:xfrm rot="10799991">
+              <a:off x="326047" y="5700963"/>
+              <a:ext cx="527389" cy="159078"/>
+            </a:xfrm>
+            <a:prstGeom prst="rect">
+              <a:avLst/>
+            </a:prstGeom>
+            <a:solidFill>
+              <a:srgbClr val="0F9ED5"/>
+            </a:solidFill>
+            <a:ln cap="flat">
+              <a:noFill/>
+              <a:prstDash val="solid"/>
+            </a:ln>
+          </p:spPr>
+          <p:txBody>
+            <a:bodyPr vert="horz" wrap="square" lIns="91440" tIns="45720" rIns="91440" bIns="45720" anchor="ctr" anchorCtr="1" compatLnSpc="1">
+              <a:noAutofit/>
+            </a:bodyPr>
+            <a:lstStyle/>
+            <a:p>
+              <a:pPr marL="0" marR="0" lvl="0" indent="0" algn="ctr" defTabSz="914400" rtl="0" fontAlgn="auto" hangingPunct="1">
+                <a:lnSpc>
+                  <a:spcPct val="100000"/>
+                </a:lnSpc>
+                <a:spcBef>
+                  <a:spcPts val="0"/>
+                </a:spcBef>
+                <a:spcAft>
+                  <a:spcPts val="0"/>
+                </a:spcAft>
+                <a:buNone/>
+                <a:tabLst/>
+                <a:defRPr sz="1800" b="0" i="0" u="none" strike="noStrike" kern="0" cap="none" spc="0" baseline="0">
+                  <a:solidFill>
+                    <a:srgbClr val="000000"/>
+                  </a:solidFill>
+                  <a:uFillTx/>
+                </a:defRPr>
+              </a:pPr>
+              <a:endParaRPr lang="en-US" sz="1800" b="0" i="0" u="none" strike="noStrike" kern="1200" cap="none" spc="0" baseline="0">
+                <a:solidFill>
+                  <a:srgbClr val="FFFFFF"/>
+                </a:solidFill>
+                <a:uFillTx/>
+                <a:latin typeface="Aptos"/>
+              </a:endParaRPr>
+            </a:p>
+          </p:txBody>
+        </p:sp>
+        <p:sp>
+          <p:nvSpPr>
+            <p:cNvPr id="6" name="Rectangle 30">
+              <a:extLst>
+                <a:ext uri="{FF2B5EF4-FFF2-40B4-BE49-F238E27FC236}">
+                  <a16:creationId xmlns:a16="http://schemas.microsoft.com/office/drawing/2014/main" id="{2FD80C80-5262-B47E-653D-A7944E57013D}"/>
+                </a:ext>
+              </a:extLst>
+            </p:cNvPr>
+            <p:cNvSpPr/>
+            <p:nvPr/>
+          </p:nvSpPr>
+          <p:spPr>
+            <a:xfrm rot="5400013" flipH="1" flipV="1">
+              <a:off x="-2215075" y="2540811"/>
+              <a:ext cx="5608993" cy="527389"/>
+            </a:xfrm>
+            <a:prstGeom prst="rect">
+              <a:avLst/>
+            </a:prstGeom>
+            <a:solidFill>
+              <a:srgbClr val="0F9ED5"/>
+            </a:solidFill>
+            <a:ln cap="flat">
+              <a:noFill/>
+              <a:prstDash val="solid"/>
+            </a:ln>
+          </p:spPr>
+          <p:txBody>
+            <a:bodyPr vert="horz" wrap="square" lIns="91440" tIns="45720" rIns="91440" bIns="45720" anchor="ctr" anchorCtr="1" compatLnSpc="1">
+              <a:noAutofit/>
+            </a:bodyPr>
+            <a:lstStyle/>
+            <a:p>
+              <a:pPr marL="0" marR="0" lvl="0" indent="0" algn="ctr" defTabSz="914400" rtl="0" fontAlgn="auto" hangingPunct="1">
+                <a:lnSpc>
+                  <a:spcPct val="100000"/>
+                </a:lnSpc>
+                <a:spcBef>
+                  <a:spcPts val="0"/>
+                </a:spcBef>
+                <a:spcAft>
+                  <a:spcPts val="0"/>
+                </a:spcAft>
+                <a:buNone/>
+                <a:tabLst/>
+                <a:defRPr sz="1800" b="0" i="0" u="none" strike="noStrike" kern="0" cap="none" spc="0" baseline="0">
+                  <a:solidFill>
+                    <a:srgbClr val="000000"/>
+                  </a:solidFill>
+                  <a:uFillTx/>
+                </a:defRPr>
+              </a:pPr>
+              <a:endParaRPr lang="en-US" sz="1800" b="0" i="0" u="none" strike="noStrike" kern="1200" cap="none" spc="0" baseline="0">
+                <a:solidFill>
+                  <a:srgbClr val="FFFFFF"/>
+                </a:solidFill>
+                <a:uFillTx/>
+                <a:latin typeface="Aptos"/>
+              </a:endParaRPr>
+            </a:p>
+          </p:txBody>
+        </p:sp>
+      </p:grpSp>
+      <p:sp>
+        <p:nvSpPr>
+          <p:cNvPr id="2" name="Titel 1">
+            <a:extLst>
+              <a:ext uri="{FF2B5EF4-FFF2-40B4-BE49-F238E27FC236}">
+                <a16:creationId xmlns:a16="http://schemas.microsoft.com/office/drawing/2014/main" id="{68E8C99C-475A-6F04-EDDA-7CC72BD43857}"/>
+              </a:ext>
+            </a:extLst>
+          </p:cNvPr>
+          <p:cNvSpPr>
+            <a:spLocks noGrp="1"/>
+          </p:cNvSpPr>
+          <p:nvPr>
+            <p:ph type="title"/>
+          </p:nvPr>
+        </p:nvSpPr>
+        <p:spPr>
+          <a:xfrm>
+            <a:off x="992948" y="336989"/>
+            <a:ext cx="10515600" cy="1488636"/>
+          </a:xfrm>
+          <a:solidFill>
+            <a:schemeClr val="bg1"/>
+          </a:solidFill>
+        </p:spPr>
+        <p:txBody>
+          <a:bodyPr/>
+          <a:lstStyle/>
+          <a:p>
+            <a:r>
+              <a:rPr lang="de-DE" sz="4400" dirty="0"/>
+              <a:t>Data Gathering</a:t>
+            </a:r>
+            <a:endParaRPr lang="de-DE" dirty="0"/>
+          </a:p>
+        </p:txBody>
+      </p:sp>
+      <p:sp>
+        <p:nvSpPr>
+          <p:cNvPr id="3" name="Inhaltsplatzhalter 2">
+            <a:extLst>
+              <a:ext uri="{FF2B5EF4-FFF2-40B4-BE49-F238E27FC236}">
+                <a16:creationId xmlns:a16="http://schemas.microsoft.com/office/drawing/2014/main" id="{34803040-291B-279B-0C2E-86FF5D322968}"/>
+              </a:ext>
+            </a:extLst>
+          </p:cNvPr>
+          <p:cNvSpPr>
+            <a:spLocks noGrp="1"/>
+          </p:cNvSpPr>
+          <p:nvPr>
+            <p:ph idx="1"/>
+          </p:nvPr>
+        </p:nvSpPr>
+        <p:spPr>
+          <a:xfrm>
+            <a:off x="992946" y="1825625"/>
+            <a:ext cx="10515600" cy="3794102"/>
+          </a:xfrm>
+          <a:solidFill>
+            <a:schemeClr val="bg1"/>
+          </a:solidFill>
+        </p:spPr>
+        <p:txBody>
+          <a:bodyPr>
+            <a:normAutofit fontScale="92500"/>
+          </a:bodyPr>
+          <a:lstStyle/>
+          <a:p>
+            <a:pPr marL="0" indent="0">
+              <a:buNone/>
+            </a:pPr>
+            <a:r>
+              <a:rPr lang="de-DE" dirty="0"/>
+              <a:t>Daily </a:t>
+            </a:r>
+            <a:r>
+              <a:rPr lang="de-DE" dirty="0" err="1"/>
+              <a:t>data</a:t>
+            </a:r>
+            <a:r>
+              <a:rPr lang="de-DE" dirty="0"/>
+              <a:t> </a:t>
+            </a:r>
+            <a:r>
+              <a:rPr lang="de-DE" dirty="0" err="1"/>
+              <a:t>from</a:t>
+            </a:r>
+            <a:r>
+              <a:rPr lang="de-DE" dirty="0"/>
+              <a:t> 01.01.2015 </a:t>
+            </a:r>
+            <a:r>
+              <a:rPr lang="de-DE" dirty="0" err="1"/>
+              <a:t>to</a:t>
+            </a:r>
+            <a:r>
+              <a:rPr lang="de-DE" dirty="0"/>
+              <a:t> 31.12.2023 </a:t>
+            </a:r>
+            <a:r>
+              <a:rPr lang="de-DE" dirty="0" err="1"/>
+              <a:t>from</a:t>
+            </a:r>
+            <a:r>
+              <a:rPr lang="de-DE" dirty="0"/>
+              <a:t> </a:t>
+            </a:r>
+            <a:r>
+              <a:rPr lang="de-DE" dirty="0" err="1"/>
+              <a:t>public</a:t>
+            </a:r>
+            <a:r>
+              <a:rPr lang="de-DE" dirty="0"/>
+              <a:t> </a:t>
+            </a:r>
+            <a:r>
+              <a:rPr lang="de-DE" dirty="0" err="1"/>
+              <a:t>sources</a:t>
+            </a:r>
+            <a:r>
+              <a:rPr lang="de-DE" dirty="0"/>
+              <a:t> was </a:t>
+            </a:r>
+            <a:r>
+              <a:rPr lang="de-DE" dirty="0" err="1"/>
+              <a:t>used</a:t>
+            </a:r>
+            <a:endParaRPr lang="de-DE" dirty="0"/>
+          </a:p>
+          <a:p>
+            <a:endParaRPr lang="de-DE" dirty="0"/>
+          </a:p>
+          <a:p>
+            <a:r>
+              <a:rPr lang="de-DE" dirty="0" err="1"/>
+              <a:t>Production</a:t>
+            </a:r>
+            <a:r>
+              <a:rPr lang="de-DE" dirty="0"/>
+              <a:t> Data: TenneT </a:t>
+            </a:r>
+            <a:r>
+              <a:rPr lang="de-DE" sz="1800" dirty="0"/>
+              <a:t>(</a:t>
+            </a:r>
+            <a:r>
+              <a:rPr lang="de-DE" sz="1900" i="1" dirty="0"/>
+              <a:t>Transmission System Operator</a:t>
+            </a:r>
+            <a:r>
+              <a:rPr lang="de-DE" sz="1800" b="0" dirty="0">
+                <a:solidFill>
+                  <a:srgbClr val="202122"/>
+                </a:solidFill>
+                <a:effectLst/>
+                <a:latin typeface="Arial" panose="020B0604020202020204" pitchFamily="34" charset="0"/>
+              </a:rPr>
+              <a:t>)</a:t>
+            </a:r>
+            <a:endParaRPr lang="de-DE" sz="1800" dirty="0"/>
+          </a:p>
+          <a:p>
+            <a:r>
+              <a:rPr lang="de-DE" dirty="0"/>
+              <a:t>Solar Panels </a:t>
+            </a:r>
+            <a:r>
+              <a:rPr lang="de-DE" dirty="0" err="1"/>
+              <a:t>Capacity</a:t>
+            </a:r>
+            <a:r>
+              <a:rPr lang="de-DE" dirty="0"/>
+              <a:t>: Marktstammdatenregister </a:t>
+            </a:r>
+            <a:r>
+              <a:rPr lang="de-DE" sz="1900" dirty="0"/>
+              <a:t>(</a:t>
+            </a:r>
+            <a:r>
+              <a:rPr lang="de-DE" sz="1900" i="1" dirty="0" err="1"/>
+              <a:t>by</a:t>
+            </a:r>
+            <a:r>
+              <a:rPr lang="de-DE" sz="1900" i="1" dirty="0"/>
+              <a:t> Bundesnetzagentur</a:t>
+            </a:r>
+            <a:r>
+              <a:rPr lang="de-DE" sz="1900" b="0" dirty="0">
+                <a:solidFill>
+                  <a:srgbClr val="202122"/>
+                </a:solidFill>
+                <a:effectLst/>
+                <a:latin typeface="Arial" panose="020B0604020202020204" pitchFamily="34" charset="0"/>
+              </a:rPr>
+              <a:t>)</a:t>
+            </a:r>
+            <a:endParaRPr lang="de-DE" dirty="0"/>
+          </a:p>
+          <a:p>
+            <a:r>
+              <a:rPr lang="de-DE" dirty="0" err="1"/>
+              <a:t>Weather</a:t>
+            </a:r>
+            <a:r>
+              <a:rPr lang="de-DE" dirty="0"/>
+              <a:t> Data: 6 </a:t>
+            </a:r>
+            <a:r>
+              <a:rPr lang="de-DE" dirty="0" err="1"/>
+              <a:t>Stations</a:t>
+            </a:r>
+            <a:r>
+              <a:rPr lang="de-DE" dirty="0"/>
+              <a:t> in Bavaria</a:t>
+            </a:r>
+            <a:r>
+              <a:rPr lang="de-DE" sz="1900" dirty="0"/>
+              <a:t> (</a:t>
+            </a:r>
+            <a:r>
+              <a:rPr lang="de-DE" sz="1900" i="1" dirty="0" err="1"/>
+              <a:t>from</a:t>
+            </a:r>
+            <a:r>
+              <a:rPr lang="de-DE" sz="1900" i="1" dirty="0"/>
+              <a:t> Deutscher Wetterdienst(DWD)</a:t>
+            </a:r>
+            <a:r>
+              <a:rPr lang="de-DE" sz="1900" dirty="0"/>
+              <a:t>)</a:t>
+            </a:r>
+          </a:p>
+          <a:p>
+            <a:endParaRPr lang="de-DE" sz="1900" dirty="0"/>
+          </a:p>
+          <a:p>
+            <a:pPr marL="0" indent="0">
+              <a:buNone/>
+            </a:pPr>
+            <a:r>
+              <a:rPr lang="de-DE" dirty="0"/>
+              <a:t>Data </a:t>
+            </a:r>
+            <a:r>
+              <a:rPr lang="de-DE" dirty="0" err="1"/>
+              <a:t>had</a:t>
+            </a:r>
+            <a:r>
+              <a:rPr lang="de-DE" dirty="0"/>
+              <a:t> </a:t>
+            </a:r>
+            <a:r>
+              <a:rPr lang="de-DE" dirty="0" err="1"/>
+              <a:t>partially</a:t>
+            </a:r>
+            <a:r>
+              <a:rPr lang="de-DE" dirty="0"/>
+              <a:t> </a:t>
+            </a:r>
+            <a:r>
+              <a:rPr lang="de-DE" dirty="0" err="1"/>
+              <a:t>to</a:t>
+            </a:r>
+            <a:r>
+              <a:rPr lang="de-DE" dirty="0"/>
+              <a:t> </a:t>
+            </a:r>
+            <a:r>
+              <a:rPr lang="de-DE" dirty="0" err="1"/>
+              <a:t>be</a:t>
+            </a:r>
+            <a:r>
+              <a:rPr lang="de-DE" dirty="0"/>
+              <a:t> </a:t>
+            </a:r>
+            <a:r>
+              <a:rPr lang="de-DE" dirty="0" err="1"/>
+              <a:t>downloaded</a:t>
+            </a:r>
+            <a:r>
+              <a:rPr lang="de-DE" dirty="0"/>
+              <a:t> </a:t>
+            </a:r>
+            <a:r>
+              <a:rPr lang="de-DE" dirty="0" err="1"/>
+              <a:t>manually</a:t>
+            </a:r>
+            <a:r>
+              <a:rPr lang="de-DE" dirty="0"/>
+              <a:t> </a:t>
+            </a:r>
+            <a:r>
+              <a:rPr lang="de-DE" dirty="0" err="1"/>
+              <a:t>before</a:t>
+            </a:r>
+            <a:r>
+              <a:rPr lang="de-DE" dirty="0"/>
+              <a:t> and </a:t>
+            </a:r>
+            <a:r>
+              <a:rPr lang="de-DE" dirty="0" err="1"/>
+              <a:t>to</a:t>
+            </a:r>
+            <a:r>
+              <a:rPr lang="de-DE" dirty="0"/>
+              <a:t> </a:t>
+            </a:r>
+            <a:r>
+              <a:rPr lang="de-DE" dirty="0" err="1"/>
+              <a:t>be</a:t>
+            </a:r>
+            <a:r>
+              <a:rPr lang="de-DE" dirty="0"/>
+              <a:t> </a:t>
+            </a:r>
+            <a:r>
+              <a:rPr lang="de-DE" dirty="0" err="1"/>
+              <a:t>extracted</a:t>
+            </a:r>
+            <a:r>
+              <a:rPr lang="de-DE" dirty="0"/>
+              <a:t> via </a:t>
+            </a:r>
+            <a:r>
+              <a:rPr lang="de-DE" dirty="0" err="1"/>
+              <a:t>script</a:t>
+            </a:r>
+            <a:r>
+              <a:rPr lang="de-DE" dirty="0"/>
+              <a:t>, and </a:t>
+            </a:r>
+            <a:r>
+              <a:rPr lang="de-DE" dirty="0" err="1"/>
+              <a:t>merged</a:t>
+            </a:r>
+            <a:r>
+              <a:rPr lang="de-DE" dirty="0"/>
+              <a:t> </a:t>
+            </a:r>
+            <a:r>
+              <a:rPr lang="de-DE" dirty="0" err="1"/>
+              <a:t>afterwards</a:t>
+            </a:r>
+            <a:r>
+              <a:rPr lang="de-DE" dirty="0"/>
+              <a:t> </a:t>
+            </a:r>
+          </a:p>
+        </p:txBody>
+      </p:sp>
+    </p:spTree>
+    <p:extLst>
+      <p:ext uri="{BB962C8B-B14F-4D97-AF65-F5344CB8AC3E}">
+        <p14:creationId xmlns:p14="http://schemas.microsoft.com/office/powerpoint/2010/main" val="324290609"/>
+      </p:ext>
+    </p:extLst>
+  </p:cSld>
+  <p:clrMapOvr>
+    <a:masterClrMapping/>
+  </p:clrMapOvr>
+</p:sld>
+</file>
+
+<file path=ppt/slides/slide4.xml><?xml version="1.0" encoding="utf-8"?>
 <p:sld xmlns:a="http://schemas.openxmlformats.org/drawingml/2006/main" xmlns:r="http://schemas.openxmlformats.org/officeDocument/2006/relationships" xmlns:p="http://schemas.openxmlformats.org/presentationml/2006/main">
   <p:cSld>
     <p:spTree>
@@ -4980,7 +5952,7 @@
 </p:sld>
 </file>
 
-<file path=ppt/slides/slide4.xml><?xml version="1.0" encoding="utf-8"?>
+<file path=ppt/slides/slide5.xml><?xml version="1.0" encoding="utf-8"?>
 <p:sld xmlns:a="http://schemas.openxmlformats.org/drawingml/2006/main" xmlns:r="http://schemas.openxmlformats.org/officeDocument/2006/relationships" xmlns:p="http://schemas.openxmlformats.org/presentationml/2006/main">
   <p:cSld>
     <p:spTree>
@@ -5406,7 +6378,7 @@
 </p:sld>
 </file>
 
-<file path=ppt/slides/slide5.xml><?xml version="1.0" encoding="utf-8"?>
+<file path=ppt/slides/slide6.xml><?xml version="1.0" encoding="utf-8"?>
 <p:sld xmlns:a="http://schemas.openxmlformats.org/drawingml/2006/main" xmlns:r="http://schemas.openxmlformats.org/officeDocument/2006/relationships" xmlns:p="http://schemas.openxmlformats.org/presentationml/2006/main">
   <p:cSld>
     <p:spTree>
@@ -5654,8 +6626,8 @@
         </p:blipFill>
         <p:spPr>
           <a:xfrm>
-            <a:off x="394435" y="2804386"/>
-            <a:ext cx="7258187" cy="2726246"/>
+            <a:off x="394436" y="2804386"/>
+            <a:ext cx="5879756" cy="2726246"/>
           </a:xfrm>
           <a:prstGeom prst="rect">
             <a:avLst/>
@@ -5676,7 +6648,7 @@
         </p:nvSpPr>
         <p:spPr>
           <a:xfrm>
-            <a:off x="2658600" y="3088374"/>
+            <a:off x="2224871" y="3108142"/>
             <a:ext cx="365760" cy="2421580"/>
           </a:xfrm>
           <a:prstGeom prst="rect">
@@ -5730,8 +6702,8 @@
         </p:nvSpPr>
         <p:spPr>
           <a:xfrm>
-            <a:off x="1408724" y="3341593"/>
-            <a:ext cx="6243898" cy="263770"/>
+            <a:off x="1324316" y="3348111"/>
+            <a:ext cx="4865468" cy="285388"/>
           </a:xfrm>
           <a:prstGeom prst="rect">
             <a:avLst/>
@@ -5768,148 +6740,6 @@
           </a:p>
         </p:txBody>
       </p:sp>
-      <p:pic>
-        <p:nvPicPr>
-          <p:cNvPr id="7" name="Grafik 6">
-            <a:extLst>
-              <a:ext uri="{FF2B5EF4-FFF2-40B4-BE49-F238E27FC236}">
-                <a16:creationId xmlns:a16="http://schemas.microsoft.com/office/drawing/2014/main" id="{295A3391-C626-2263-5B93-62BA5ED4FFCB}"/>
-              </a:ext>
-            </a:extLst>
-          </p:cNvPr>
-          <p:cNvPicPr>
-            <a:picLocks noChangeAspect="1"/>
-          </p:cNvPicPr>
-          <p:nvPr/>
-        </p:nvPicPr>
-        <p:blipFill>
-          <a:blip r:embed="rId3"/>
-          <a:stretch>
-            <a:fillRect/>
-          </a:stretch>
-        </p:blipFill>
-        <p:spPr>
-          <a:xfrm>
-            <a:off x="8041862" y="1249933"/>
-            <a:ext cx="3878287" cy="2461607"/>
-          </a:xfrm>
-          <a:prstGeom prst="rect">
-            <a:avLst/>
-          </a:prstGeom>
-        </p:spPr>
-      </p:pic>
-      <p:pic>
-        <p:nvPicPr>
-          <p:cNvPr id="13" name="Grafik 12">
-            <a:extLst>
-              <a:ext uri="{FF2B5EF4-FFF2-40B4-BE49-F238E27FC236}">
-                <a16:creationId xmlns:a16="http://schemas.microsoft.com/office/drawing/2014/main" id="{F1A36A17-D96E-72B7-3027-B9ECF2FCA4A1}"/>
-              </a:ext>
-            </a:extLst>
-          </p:cNvPr>
-          <p:cNvPicPr>
-            <a:picLocks noChangeAspect="1"/>
-          </p:cNvPicPr>
-          <p:nvPr/>
-        </p:nvPicPr>
-        <p:blipFill>
-          <a:blip r:embed="rId4"/>
-          <a:stretch>
-            <a:fillRect/>
-          </a:stretch>
-        </p:blipFill>
-        <p:spPr>
-          <a:xfrm>
-            <a:off x="8082319" y="3850292"/>
-            <a:ext cx="3884095" cy="2461608"/>
-          </a:xfrm>
-          <a:prstGeom prst="rect">
-            <a:avLst/>
-          </a:prstGeom>
-        </p:spPr>
-      </p:pic>
-      <p:cxnSp>
-        <p:nvCxnSpPr>
-          <p:cNvPr id="16" name="Gerade Verbindung mit Pfeil 15">
-            <a:extLst>
-              <a:ext uri="{FF2B5EF4-FFF2-40B4-BE49-F238E27FC236}">
-                <a16:creationId xmlns:a16="http://schemas.microsoft.com/office/drawing/2014/main" id="{A7A1403F-3B45-453F-3B1B-104A48755913}"/>
-              </a:ext>
-            </a:extLst>
-          </p:cNvPr>
-          <p:cNvCxnSpPr>
-            <a:cxnSpLocks/>
-          </p:cNvCxnSpPr>
-          <p:nvPr/>
-        </p:nvCxnSpPr>
-        <p:spPr>
-          <a:xfrm>
-            <a:off x="7867470" y="2630293"/>
-            <a:ext cx="967900" cy="315734"/>
-          </a:xfrm>
-          <a:prstGeom prst="straightConnector1">
-            <a:avLst/>
-          </a:prstGeom>
-          <a:ln w="38100">
-            <a:tailEnd type="triangle"/>
-          </a:ln>
-        </p:spPr>
-        <p:style>
-          <a:lnRef idx="2">
-            <a:schemeClr val="dk1"/>
-          </a:lnRef>
-          <a:fillRef idx="0">
-            <a:schemeClr val="dk1"/>
-          </a:fillRef>
-          <a:effectRef idx="1">
-            <a:schemeClr val="dk1"/>
-          </a:effectRef>
-          <a:fontRef idx="minor">
-            <a:schemeClr val="tx1"/>
-          </a:fontRef>
-        </p:style>
-      </p:cxnSp>
-      <p:cxnSp>
-        <p:nvCxnSpPr>
-          <p:cNvPr id="18" name="Gerade Verbindung mit Pfeil 17">
-            <a:extLst>
-              <a:ext uri="{FF2B5EF4-FFF2-40B4-BE49-F238E27FC236}">
-                <a16:creationId xmlns:a16="http://schemas.microsoft.com/office/drawing/2014/main" id="{AA22A9F2-420D-6711-C4A4-CF15E67D0798}"/>
-              </a:ext>
-            </a:extLst>
-          </p:cNvPr>
-          <p:cNvCxnSpPr>
-            <a:cxnSpLocks/>
-          </p:cNvCxnSpPr>
-          <p:nvPr/>
-        </p:nvCxnSpPr>
-        <p:spPr>
-          <a:xfrm>
-            <a:off x="7867470" y="5228235"/>
-            <a:ext cx="967900" cy="315734"/>
-          </a:xfrm>
-          <a:prstGeom prst="straightConnector1">
-            <a:avLst/>
-          </a:prstGeom>
-          <a:ln w="38100">
-            <a:tailEnd type="triangle"/>
-          </a:ln>
-        </p:spPr>
-        <p:style>
-          <a:lnRef idx="2">
-            <a:schemeClr val="dk1"/>
-          </a:lnRef>
-          <a:fillRef idx="0">
-            <a:schemeClr val="dk1"/>
-          </a:fillRef>
-          <a:effectRef idx="1">
-            <a:schemeClr val="dk1"/>
-          </a:effectRef>
-          <a:fontRef idx="minor">
-            <a:schemeClr val="tx1"/>
-          </a:fontRef>
-        </p:style>
-      </p:cxnSp>
       <p:sp>
         <p:nvSpPr>
           <p:cNvPr id="19" name="Rectangle 38">
@@ -6058,101 +6888,36 @@
           </a:p>
         </p:txBody>
       </p:sp>
-      <p:sp>
-        <p:nvSpPr>
-          <p:cNvPr id="4" name="Textfeld 3">
-            <a:extLst>
-              <a:ext uri="{FF2B5EF4-FFF2-40B4-BE49-F238E27FC236}">
-                <a16:creationId xmlns:a16="http://schemas.microsoft.com/office/drawing/2014/main" id="{F165B315-CA79-4207-EF58-869A7BDDED80}"/>
-              </a:ext>
-            </a:extLst>
-          </p:cNvPr>
-          <p:cNvSpPr txBox="1"/>
+      <p:pic>
+        <p:nvPicPr>
+          <p:cNvPr id="11" name="Grafik 10">
+            <a:extLst>
+              <a:ext uri="{FF2B5EF4-FFF2-40B4-BE49-F238E27FC236}">
+                <a16:creationId xmlns:a16="http://schemas.microsoft.com/office/drawing/2014/main" id="{F3D787D4-9C0E-92A5-F29C-B840CD240FA5}"/>
+              </a:ext>
+            </a:extLst>
+          </p:cNvPr>
+          <p:cNvPicPr>
+            <a:picLocks noChangeAspect="1"/>
+          </p:cNvPicPr>
           <p:nvPr/>
-        </p:nvSpPr>
+        </p:nvPicPr>
+        <p:blipFill>
+          <a:blip r:embed="rId3"/>
+          <a:stretch>
+            <a:fillRect/>
+          </a:stretch>
+        </p:blipFill>
         <p:spPr>
           <a:xfrm>
-            <a:off x="8285868" y="928466"/>
-            <a:ext cx="3474606" cy="307777"/>
+            <a:off x="6753142" y="2804386"/>
+            <a:ext cx="5375311" cy="2905242"/>
           </a:xfrm>
           <a:prstGeom prst="rect">
             <a:avLst/>
           </a:prstGeom>
-          <a:noFill/>
         </p:spPr>
-        <p:txBody>
-          <a:bodyPr wrap="none" rtlCol="0">
-            <a:spAutoFit/>
-          </a:bodyPr>
-          <a:lstStyle/>
-          <a:p>
-            <a:r>
-              <a:rPr lang="de-DE" sz="1400" b="1" dirty="0" err="1"/>
-              <a:t>Comparison</a:t>
-            </a:r>
-            <a:r>
-              <a:rPr lang="de-DE" sz="1400" b="1" dirty="0"/>
-              <a:t> </a:t>
-            </a:r>
-            <a:r>
-              <a:rPr lang="de-DE" sz="1400" b="1" dirty="0" err="1"/>
-              <a:t>before</a:t>
-            </a:r>
-            <a:r>
-              <a:rPr lang="de-DE" sz="1400" b="1" dirty="0"/>
-              <a:t> and after Imputation</a:t>
-            </a:r>
-          </a:p>
-        </p:txBody>
-      </p:sp>
-      <p:sp>
-        <p:nvSpPr>
-          <p:cNvPr id="5" name="Rechteck 4">
-            <a:extLst>
-              <a:ext uri="{FF2B5EF4-FFF2-40B4-BE49-F238E27FC236}">
-                <a16:creationId xmlns:a16="http://schemas.microsoft.com/office/drawing/2014/main" id="{0ED10672-EDC2-480E-1EA5-BEF3167D4D4C}"/>
-              </a:ext>
-            </a:extLst>
-          </p:cNvPr>
-          <p:cNvSpPr/>
-          <p:nvPr/>
-        </p:nvSpPr>
-        <p:spPr>
-          <a:xfrm>
-            <a:off x="7867470" y="928466"/>
-            <a:ext cx="4109495" cy="5472296"/>
-          </a:xfrm>
-          <a:prstGeom prst="rect">
-            <a:avLst/>
-          </a:prstGeom>
-          <a:noFill/>
-          <a:ln w="28575"/>
-        </p:spPr>
-        <p:style>
-          <a:lnRef idx="2">
-            <a:schemeClr val="accent1">
-              <a:shade val="15000"/>
-            </a:schemeClr>
-          </a:lnRef>
-          <a:fillRef idx="1">
-            <a:schemeClr val="accent1"/>
-          </a:fillRef>
-          <a:effectRef idx="0">
-            <a:schemeClr val="accent1"/>
-          </a:effectRef>
-          <a:fontRef idx="minor">
-            <a:schemeClr val="lt1"/>
-          </a:fontRef>
-        </p:style>
-        <p:txBody>
-          <a:bodyPr rtlCol="0" anchor="ctr"/>
-          <a:lstStyle/>
-          <a:p>
-            <a:pPr algn="ctr"/>
-            <a:endParaRPr lang="de-DE"/>
-          </a:p>
-        </p:txBody>
-      </p:sp>
+      </p:pic>
     </p:spTree>
     <p:extLst>
       <p:ext uri="{BB962C8B-B14F-4D97-AF65-F5344CB8AC3E}">
@@ -6166,7 +6931,7 @@
 </p:sld>
 </file>
 
-<file path=ppt/slides/slide6.xml><?xml version="1.0" encoding="utf-8"?>
+<file path=ppt/slides/slide7.xml><?xml version="1.0" encoding="utf-8"?>
 <p:sld xmlns:a="http://schemas.openxmlformats.org/drawingml/2006/main" xmlns:r="http://schemas.openxmlformats.org/officeDocument/2006/relationships" xmlns:p="http://schemas.openxmlformats.org/presentationml/2006/main">
   <p:cSld>
     <p:spTree>
@@ -6266,7 +7031,7 @@
 </p:sld>
 </file>
 
-<file path=ppt/slides/slide7.xml><?xml version="1.0" encoding="utf-8"?>
+<file path=ppt/slides/slide8.xml><?xml version="1.0" encoding="utf-8"?>
 <p:sld xmlns:a="http://schemas.openxmlformats.org/drawingml/2006/main" xmlns:r="http://schemas.openxmlformats.org/officeDocument/2006/relationships" xmlns:p="http://schemas.openxmlformats.org/presentationml/2006/main">
   <p:cSld>
     <p:spTree>
@@ -6586,8 +7351,36 @@
           </a:p>
           <a:p>
             <a:r>
+              <a:rPr lang="de-DE" sz="2400" dirty="0" err="1"/>
+              <a:t>Presumed</a:t>
+            </a:r>
+            <a:r>
               <a:rPr lang="de-DE" sz="2400" dirty="0"/>
-              <a:t>Technical </a:t>
+              <a:t> </a:t>
+            </a:r>
+            <a:r>
+              <a:rPr lang="de-DE" sz="2400" dirty="0" err="1"/>
+              <a:t>reason</a:t>
+            </a:r>
+            <a:r>
+              <a:rPr lang="de-DE" sz="2400" dirty="0"/>
+              <a:t> </a:t>
+            </a:r>
+            <a:r>
+              <a:rPr lang="de-DE" sz="2400" dirty="0" err="1"/>
+              <a:t>are</a:t>
+            </a:r>
+            <a:r>
+              <a:rPr lang="de-DE" sz="2400" dirty="0"/>
+              <a:t> </a:t>
+            </a:r>
+            <a:r>
+              <a:rPr lang="de-DE" sz="2400" dirty="0" err="1"/>
+              <a:t>technical</a:t>
+            </a:r>
+            <a:r>
+              <a:rPr lang="de-DE" sz="2400" dirty="0"/>
+              <a:t> </a:t>
             </a:r>
             <a:r>
               <a:rPr lang="de-DE" sz="2400" dirty="0" err="1"/>
@@ -6627,30 +7420,17 @@
             </a:r>
             <a:r>
               <a:rPr lang="de-DE" sz="2400" dirty="0"/>
-              <a:t> power </a:t>
-            </a:r>
-            <a:r>
-              <a:rPr lang="de-DE" sz="2400" dirty="0" err="1"/>
-              <a:t>presumed</a:t>
-            </a:r>
-            <a:r>
-              <a:rPr lang="de-DE" sz="2400" dirty="0"/>
-              <a:t> </a:t>
-            </a:r>
-            <a:r>
-              <a:rPr lang="de-DE" sz="2400" dirty="0" err="1"/>
-              <a:t>reason</a:t>
-            </a:r>
-            <a:endParaRPr lang="de-DE" sz="2400" dirty="0"/>
+              <a:t> power</a:t>
+            </a:r>
           </a:p>
         </p:txBody>
       </p:sp>
       <p:pic>
         <p:nvPicPr>
-          <p:cNvPr id="7" name="Grafik 6">
-            <a:extLst>
-              <a:ext uri="{FF2B5EF4-FFF2-40B4-BE49-F238E27FC236}">
-                <a16:creationId xmlns:a16="http://schemas.microsoft.com/office/drawing/2014/main" id="{74E7D71C-E075-91D6-CFCB-D89D31713B8B}"/>
+          <p:cNvPr id="4" name="Grafik 3">
+            <a:extLst>
+              <a:ext uri="{FF2B5EF4-FFF2-40B4-BE49-F238E27FC236}">
+                <a16:creationId xmlns:a16="http://schemas.microsoft.com/office/drawing/2014/main" id="{106AD3F7-D6B4-3B63-B644-AFC95E8030AA}"/>
               </a:ext>
             </a:extLst>
           </p:cNvPr>
@@ -6660,21 +7440,15 @@
           <p:nvPr/>
         </p:nvPicPr>
         <p:blipFill>
-          <a:blip r:embed="rId2">
-            <a:extLst>
-              <a:ext uri="{28A0092B-C50C-407E-A947-70E740481C1C}">
-                <a14:useLocalDpi xmlns:a14="http://schemas.microsoft.com/office/drawing/2010/main" val="0"/>
-              </a:ext>
-            </a:extLst>
-          </a:blip>
+          <a:blip r:embed="rId2"/>
           <a:stretch>
             <a:fillRect/>
           </a:stretch>
         </p:blipFill>
         <p:spPr>
           <a:xfrm>
-            <a:off x="2023428" y="2785428"/>
-            <a:ext cx="8145143" cy="4072572"/>
+            <a:off x="1958816" y="2785428"/>
+            <a:ext cx="8274367" cy="4049866"/>
           </a:xfrm>
           <a:prstGeom prst="rect">
             <a:avLst/>
@@ -6694,7 +7468,7 @@
 </p:sld>
 </file>
 
-<file path=ppt/slides/slide8.xml><?xml version="1.0" encoding="utf-8"?>
+<file path=ppt/slides/slide9.xml><?xml version="1.0" encoding="utf-8"?>
 <p:sld xmlns:a="http://schemas.openxmlformats.org/drawingml/2006/main" xmlns:r="http://schemas.openxmlformats.org/officeDocument/2006/relationships" xmlns:p="http://schemas.openxmlformats.org/presentationml/2006/main">
   <p:cSld>
     <p:spTree>
@@ -6735,336 +7509,9 @@
           <a:lstStyle/>
           <a:p>
             <a:r>
-              <a:rPr lang="de-DE" dirty="0" err="1"/>
-              <a:t>Conclusion</a:t>
-            </a:r>
-            <a:r>
-              <a:rPr lang="de-DE" dirty="0"/>
-              <a:t> and Outlook</a:t>
-            </a:r>
-          </a:p>
-        </p:txBody>
-      </p:sp>
-      <p:sp>
-        <p:nvSpPr>
-          <p:cNvPr id="3" name="Inhaltsplatzhalter 2">
-            <a:extLst>
-              <a:ext uri="{FF2B5EF4-FFF2-40B4-BE49-F238E27FC236}">
-                <a16:creationId xmlns:a16="http://schemas.microsoft.com/office/drawing/2014/main" id="{E6599D0C-BE70-34F9-7185-814305942AB1}"/>
-              </a:ext>
-            </a:extLst>
-          </p:cNvPr>
-          <p:cNvSpPr>
-            <a:spLocks noGrp="1"/>
-          </p:cNvSpPr>
-          <p:nvPr>
-            <p:ph idx="1"/>
-          </p:nvPr>
-        </p:nvSpPr>
-        <p:spPr/>
-        <p:txBody>
-          <a:bodyPr/>
-          <a:lstStyle/>
-          <a:p>
-            <a:r>
-              <a:rPr lang="de-DE" dirty="0"/>
-              <a:t>Forecast and </a:t>
-            </a:r>
-            <a:r>
-              <a:rPr lang="de-DE" dirty="0" err="1"/>
-              <a:t>prediction</a:t>
-            </a:r>
-            <a:r>
-              <a:rPr lang="de-DE" dirty="0"/>
-              <a:t> </a:t>
-            </a:r>
-            <a:r>
-              <a:rPr lang="de-DE" dirty="0" err="1"/>
-              <a:t>are</a:t>
-            </a:r>
-            <a:r>
-              <a:rPr lang="de-DE" dirty="0"/>
-              <a:t> </a:t>
-            </a:r>
-            <a:r>
-              <a:rPr lang="de-DE" dirty="0" err="1"/>
-              <a:t>both</a:t>
-            </a:r>
-            <a:r>
-              <a:rPr lang="de-DE" dirty="0"/>
-              <a:t> valid, </a:t>
-            </a:r>
-            <a:r>
-              <a:rPr lang="de-DE" dirty="0" err="1"/>
-              <a:t>usability</a:t>
-            </a:r>
-            <a:r>
-              <a:rPr lang="de-DE" dirty="0"/>
-              <a:t> </a:t>
-            </a:r>
-            <a:r>
-              <a:rPr lang="de-DE" dirty="0" err="1"/>
-              <a:t>is</a:t>
-            </a:r>
-            <a:r>
-              <a:rPr lang="de-DE" dirty="0"/>
-              <a:t> </a:t>
-            </a:r>
-            <a:r>
-              <a:rPr lang="de-DE" dirty="0" err="1"/>
-              <a:t>given</a:t>
-            </a:r>
-            <a:r>
-              <a:rPr lang="de-DE" dirty="0"/>
-              <a:t>, </a:t>
-            </a:r>
-            <a:r>
-              <a:rPr lang="de-DE" dirty="0" err="1"/>
-              <a:t>with</a:t>
-            </a:r>
-            <a:r>
-              <a:rPr lang="de-DE" dirty="0"/>
-              <a:t> </a:t>
-            </a:r>
-            <a:r>
-              <a:rPr lang="de-DE" dirty="0" err="1"/>
-              <a:t>very</a:t>
-            </a:r>
-            <a:r>
-              <a:rPr lang="de-DE" dirty="0"/>
-              <a:t> different </a:t>
-            </a:r>
-            <a:r>
-              <a:rPr lang="de-DE" dirty="0" err="1"/>
-              <a:t>use</a:t>
-            </a:r>
-            <a:r>
-              <a:rPr lang="de-DE" dirty="0"/>
-              <a:t> </a:t>
-            </a:r>
-            <a:r>
-              <a:rPr lang="de-DE" dirty="0" err="1"/>
-              <a:t>cases</a:t>
-            </a:r>
-            <a:endParaRPr lang="de-DE" dirty="0"/>
-          </a:p>
-          <a:p>
-            <a:r>
-              <a:rPr lang="de-DE" dirty="0"/>
-              <a:t>Additional </a:t>
-            </a:r>
-            <a:r>
-              <a:rPr lang="de-DE" dirty="0" err="1"/>
-              <a:t>data</a:t>
-            </a:r>
-            <a:r>
-              <a:rPr lang="de-DE" dirty="0"/>
-              <a:t> </a:t>
-            </a:r>
-            <a:r>
-              <a:rPr lang="de-DE" dirty="0" err="1"/>
-              <a:t>can</a:t>
-            </a:r>
-            <a:r>
-              <a:rPr lang="de-DE" dirty="0"/>
-              <a:t> </a:t>
-            </a:r>
-            <a:r>
-              <a:rPr lang="de-DE" dirty="0" err="1"/>
-              <a:t>be</a:t>
-            </a:r>
-            <a:r>
-              <a:rPr lang="de-DE" dirty="0"/>
-              <a:t> </a:t>
-            </a:r>
-            <a:r>
-              <a:rPr lang="de-DE" dirty="0" err="1"/>
-              <a:t>used</a:t>
-            </a:r>
-            <a:r>
-              <a:rPr lang="de-DE" dirty="0"/>
-              <a:t> </a:t>
-            </a:r>
-            <a:r>
-              <a:rPr lang="de-DE" dirty="0" err="1"/>
-              <a:t>fore</a:t>
-            </a:r>
-            <a:r>
-              <a:rPr lang="de-DE" dirty="0"/>
-              <a:t> </a:t>
-            </a:r>
-            <a:r>
-              <a:rPr lang="de-DE" dirty="0" err="1"/>
-              <a:t>increased</a:t>
-            </a:r>
-            <a:r>
-              <a:rPr lang="de-DE" dirty="0"/>
-              <a:t> </a:t>
-            </a:r>
-            <a:r>
-              <a:rPr lang="de-DE" dirty="0" err="1"/>
-              <a:t>precision</a:t>
-            </a:r>
-            <a:endParaRPr lang="de-DE" dirty="0"/>
-          </a:p>
-          <a:p>
-            <a:r>
-              <a:rPr lang="de-DE" dirty="0"/>
-              <a:t>Further </a:t>
-            </a:r>
-            <a:r>
-              <a:rPr lang="de-DE" dirty="0" err="1"/>
-              <a:t>scale</a:t>
-            </a:r>
-            <a:r>
-              <a:rPr lang="de-DE" dirty="0"/>
-              <a:t> </a:t>
-            </a:r>
-            <a:r>
-              <a:rPr lang="de-DE" dirty="0" err="1"/>
-              <a:t>of</a:t>
-            </a:r>
-            <a:r>
-              <a:rPr lang="de-DE" dirty="0"/>
-              <a:t> </a:t>
-            </a:r>
-            <a:r>
-              <a:rPr lang="de-DE" dirty="0" err="1"/>
-              <a:t>this</a:t>
-            </a:r>
-            <a:r>
-              <a:rPr lang="de-DE" dirty="0"/>
-              <a:t> </a:t>
-            </a:r>
-            <a:r>
-              <a:rPr lang="de-DE" dirty="0" err="1"/>
-              <a:t>project</a:t>
-            </a:r>
-            <a:r>
-              <a:rPr lang="de-DE" dirty="0"/>
-              <a:t> </a:t>
-            </a:r>
-            <a:r>
-              <a:rPr lang="de-DE" dirty="0" err="1"/>
-              <a:t>could</a:t>
-            </a:r>
-            <a:r>
-              <a:rPr lang="de-DE" dirty="0"/>
-              <a:t> </a:t>
-            </a:r>
-            <a:r>
-              <a:rPr lang="de-DE" dirty="0" err="1"/>
-              <a:t>be</a:t>
-            </a:r>
-            <a:r>
-              <a:rPr lang="de-DE" dirty="0"/>
-              <a:t> different </a:t>
-            </a:r>
-            <a:r>
-              <a:rPr lang="de-DE" dirty="0" err="1"/>
-              <a:t>states</a:t>
-            </a:r>
-            <a:r>
-              <a:rPr lang="de-DE" dirty="0"/>
-              <a:t>, countries and type </a:t>
-            </a:r>
-            <a:r>
-              <a:rPr lang="de-DE" dirty="0" err="1"/>
-              <a:t>of</a:t>
-            </a:r>
-            <a:r>
-              <a:rPr lang="de-DE" dirty="0"/>
-              <a:t> </a:t>
-            </a:r>
-            <a:r>
-              <a:rPr lang="de-DE" dirty="0" err="1"/>
-              <a:t>renewable</a:t>
-            </a:r>
-            <a:r>
-              <a:rPr lang="de-DE" dirty="0"/>
-              <a:t> </a:t>
-            </a:r>
-            <a:r>
-              <a:rPr lang="de-DE" dirty="0" err="1"/>
-              <a:t>energy</a:t>
-            </a:r>
-            <a:r>
-              <a:rPr lang="de-DE" dirty="0"/>
-              <a:t> (wind)</a:t>
-            </a:r>
-          </a:p>
-          <a:p>
-            <a:r>
-              <a:rPr lang="de-DE" dirty="0"/>
-              <a:t>Regression-approach </a:t>
-            </a:r>
-            <a:r>
-              <a:rPr lang="de-DE" dirty="0" err="1"/>
-              <a:t>for</a:t>
-            </a:r>
-            <a:r>
-              <a:rPr lang="de-DE" dirty="0"/>
-              <a:t> </a:t>
-            </a:r>
-            <a:r>
-              <a:rPr lang="de-DE" dirty="0" err="1"/>
-              <a:t>forecasting</a:t>
-            </a:r>
-            <a:r>
-              <a:rPr lang="de-DE" dirty="0"/>
-              <a:t>: </a:t>
-            </a:r>
-            <a:r>
-              <a:rPr lang="de-DE" dirty="0" err="1"/>
-              <a:t>using</a:t>
-            </a:r>
-            <a:r>
-              <a:rPr lang="de-DE" dirty="0"/>
-              <a:t> </a:t>
-            </a:r>
-            <a:r>
-              <a:rPr lang="de-DE" dirty="0" err="1"/>
-              <a:t>trends</a:t>
-            </a:r>
-            <a:r>
-              <a:rPr lang="de-DE" dirty="0"/>
-              <a:t> and </a:t>
-            </a:r>
-            <a:r>
-              <a:rPr lang="de-DE" dirty="0" err="1"/>
-              <a:t>means</a:t>
-            </a:r>
-            <a:r>
-              <a:rPr lang="de-DE" dirty="0"/>
-              <a:t> </a:t>
-            </a:r>
-            <a:r>
-              <a:rPr lang="de-DE" dirty="0" err="1"/>
-              <a:t>of</a:t>
-            </a:r>
-            <a:r>
-              <a:rPr lang="de-DE" dirty="0"/>
-              <a:t> </a:t>
-            </a:r>
-            <a:r>
-              <a:rPr lang="de-DE" dirty="0" err="1"/>
-              <a:t>given</a:t>
-            </a:r>
-            <a:r>
-              <a:rPr lang="de-DE" dirty="0"/>
-              <a:t> </a:t>
-            </a:r>
-            <a:r>
-              <a:rPr lang="de-DE" dirty="0" err="1"/>
-              <a:t>data</a:t>
-            </a:r>
-            <a:endParaRPr lang="de-DE" dirty="0"/>
-          </a:p>
-          <a:p>
-            <a:endParaRPr lang="de-DE" dirty="0"/>
-          </a:p>
-          <a:p>
-            <a:endParaRPr lang="de-DE" dirty="0"/>
+              <a:rPr lang="de-DE" dirty="0"/>
+              <a:t>Use Cases</a:t>
+            </a:r>
           </a:p>
         </p:txBody>
       </p:sp>
@@ -7216,10 +7663,518 @@
           </a:p>
         </p:txBody>
       </p:sp>
+      <p:graphicFrame>
+        <p:nvGraphicFramePr>
+          <p:cNvPr id="6" name="Tabelle 5">
+            <a:extLst>
+              <a:ext uri="{FF2B5EF4-FFF2-40B4-BE49-F238E27FC236}">
+                <a16:creationId xmlns:a16="http://schemas.microsoft.com/office/drawing/2014/main" id="{DDC531DD-DF93-21D8-E611-9F3691C9769F}"/>
+              </a:ext>
+            </a:extLst>
+          </p:cNvPr>
+          <p:cNvGraphicFramePr>
+            <a:graphicFrameLocks noGrp="1"/>
+          </p:cNvGraphicFramePr>
+          <p:nvPr>
+            <p:extLst>
+              <p:ext uri="{D42A27DB-BD31-4B8C-83A1-F6EECF244321}">
+                <p14:modId xmlns:p14="http://schemas.microsoft.com/office/powerpoint/2010/main" val="3355672713"/>
+              </p:ext>
+            </p:extLst>
+          </p:nvPr>
+        </p:nvGraphicFramePr>
+        <p:xfrm>
+          <a:off x="838200" y="1690687"/>
+          <a:ext cx="10515600" cy="3899500"/>
+        </p:xfrm>
+        <a:graphic>
+          <a:graphicData uri="http://schemas.openxmlformats.org/drawingml/2006/table">
+            <a:tbl>
+              <a:tblPr firstRow="1" bandRow="1">
+                <a:tableStyleId>{5C22544A-7EE6-4342-B048-85BDC9FD1C3A}</a:tableStyleId>
+              </a:tblPr>
+              <a:tblGrid>
+                <a:gridCol w="5257800">
+                  <a:extLst>
+                    <a:ext uri="{9D8B030D-6E8A-4147-A177-3AD203B41FA5}">
+                      <a16:colId xmlns:a16="http://schemas.microsoft.com/office/drawing/2014/main" val="3174933564"/>
+                    </a:ext>
+                  </a:extLst>
+                </a:gridCol>
+                <a:gridCol w="5257800">
+                  <a:extLst>
+                    <a:ext uri="{9D8B030D-6E8A-4147-A177-3AD203B41FA5}">
+                      <a16:colId xmlns:a16="http://schemas.microsoft.com/office/drawing/2014/main" val="1183112625"/>
+                    </a:ext>
+                  </a:extLst>
+                </a:gridCol>
+              </a:tblGrid>
+              <a:tr h="691038">
+                <a:tc>
+                  <a:txBody>
+                    <a:bodyPr/>
+                    <a:lstStyle/>
+                    <a:p>
+                      <a:r>
+                        <a:rPr lang="de-DE" sz="2400" dirty="0"/>
+                        <a:t>Time-Series Forecast</a:t>
+                      </a:r>
+                    </a:p>
+                  </a:txBody>
+                  <a:tcPr/>
+                </a:tc>
+                <a:tc>
+                  <a:txBody>
+                    <a:bodyPr/>
+                    <a:lstStyle/>
+                    <a:p>
+                      <a:r>
+                        <a:rPr lang="de-DE" sz="2400" dirty="0"/>
+                        <a:t>Daily </a:t>
+                      </a:r>
+                      <a:r>
+                        <a:rPr lang="de-DE" sz="2400" dirty="0" err="1"/>
+                        <a:t>Prediction</a:t>
+                      </a:r>
+                      <a:r>
+                        <a:rPr lang="de-DE" sz="2400" dirty="0"/>
+                        <a:t> via Regression</a:t>
+                      </a:r>
+                    </a:p>
+                  </a:txBody>
+                  <a:tcPr/>
+                </a:tc>
+                <a:extLst>
+                  <a:ext uri="{0D108BD9-81ED-4DB2-BD59-A6C34878D82A}">
+                    <a16:rowId xmlns:a16="http://schemas.microsoft.com/office/drawing/2014/main" val="3834498143"/>
+                  </a:ext>
+                </a:extLst>
+              </a:tr>
+              <a:tr h="1192751">
+                <a:tc>
+                  <a:txBody>
+                    <a:bodyPr/>
+                    <a:lstStyle/>
+                    <a:p>
+                      <a:r>
+                        <a:rPr lang="de-DE" sz="2400" dirty="0"/>
+                        <a:t>Customers </a:t>
+                      </a:r>
+                      <a:r>
+                        <a:rPr lang="de-DE" sz="2400" dirty="0" err="1"/>
+                        <a:t>minds</a:t>
+                      </a:r>
+                      <a:r>
+                        <a:rPr lang="de-DE" sz="2400" dirty="0"/>
+                        <a:t> </a:t>
+                      </a:r>
+                      <a:r>
+                        <a:rPr lang="de-DE" sz="2400" dirty="0" err="1"/>
+                        <a:t>are</a:t>
+                      </a:r>
+                      <a:r>
+                        <a:rPr lang="de-DE" sz="2400" dirty="0"/>
+                        <a:t> </a:t>
+                      </a:r>
+                      <a:r>
+                        <a:rPr lang="de-DE" sz="2400" dirty="0" err="1"/>
+                        <a:t>eased</a:t>
+                      </a:r>
+                      <a:r>
+                        <a:rPr lang="de-DE" sz="2400" dirty="0"/>
+                        <a:t> </a:t>
+                      </a:r>
+                      <a:r>
+                        <a:rPr lang="de-DE" sz="2400" dirty="0" err="1"/>
+                        <a:t>with</a:t>
+                      </a:r>
+                      <a:r>
+                        <a:rPr lang="de-DE" sz="2400" dirty="0"/>
+                        <a:t> positive </a:t>
+                      </a:r>
+                      <a:r>
+                        <a:rPr lang="de-DE" sz="2400" dirty="0" err="1"/>
+                        <a:t>outlook</a:t>
+                      </a:r>
+                      <a:endParaRPr lang="de-DE" sz="2400" dirty="0"/>
+                    </a:p>
+                  </a:txBody>
+                  <a:tcPr/>
+                </a:tc>
+                <a:tc>
+                  <a:txBody>
+                    <a:bodyPr/>
+                    <a:lstStyle/>
+                    <a:p>
+                      <a:r>
+                        <a:rPr lang="de-DE" sz="2400" dirty="0"/>
+                        <a:t>Energy-</a:t>
+                      </a:r>
+                      <a:r>
+                        <a:rPr lang="de-DE" sz="2400" dirty="0" err="1"/>
+                        <a:t>related</a:t>
+                      </a:r>
+                      <a:r>
+                        <a:rPr lang="de-DE" sz="2400" dirty="0"/>
+                        <a:t> </a:t>
+                      </a:r>
+                      <a:r>
+                        <a:rPr lang="de-DE" sz="2400" dirty="0" err="1"/>
+                        <a:t>companies</a:t>
+                      </a:r>
+                      <a:r>
+                        <a:rPr lang="de-DE" sz="2400" dirty="0"/>
+                        <a:t> </a:t>
+                      </a:r>
+                      <a:r>
+                        <a:rPr lang="de-DE" sz="2400" dirty="0" err="1"/>
+                        <a:t>can</a:t>
+                      </a:r>
+                      <a:r>
+                        <a:rPr lang="de-DE" sz="2400" dirty="0"/>
+                        <a:t> plan </a:t>
+                      </a:r>
+                      <a:r>
+                        <a:rPr lang="de-DE" sz="2400" dirty="0" err="1"/>
+                        <a:t>the</a:t>
+                      </a:r>
+                      <a:r>
+                        <a:rPr lang="de-DE" sz="2400" dirty="0"/>
+                        <a:t> </a:t>
+                      </a:r>
+                      <a:r>
+                        <a:rPr lang="de-DE" sz="2400" dirty="0" err="1"/>
+                        <a:t>next</a:t>
+                      </a:r>
+                      <a:r>
+                        <a:rPr lang="de-DE" sz="2400" dirty="0"/>
+                        <a:t> </a:t>
+                      </a:r>
+                      <a:r>
+                        <a:rPr lang="de-DE" sz="2400" dirty="0" err="1"/>
+                        <a:t>days</a:t>
+                      </a:r>
+                      <a:endParaRPr lang="de-DE" sz="2400" dirty="0"/>
+                    </a:p>
+                  </a:txBody>
+                  <a:tcPr/>
+                </a:tc>
+                <a:extLst>
+                  <a:ext uri="{0D108BD9-81ED-4DB2-BD59-A6C34878D82A}">
+                    <a16:rowId xmlns:a16="http://schemas.microsoft.com/office/drawing/2014/main" val="795623113"/>
+                  </a:ext>
+                </a:extLst>
+              </a:tr>
+              <a:tr h="1192751">
+                <a:tc>
+                  <a:txBody>
+                    <a:bodyPr/>
+                    <a:lstStyle/>
+                    <a:p>
+                      <a:r>
+                        <a:rPr lang="de-DE" sz="2400" dirty="0" err="1"/>
+                        <a:t>Politicians</a:t>
+                      </a:r>
+                      <a:r>
+                        <a:rPr lang="de-DE" sz="2400" dirty="0"/>
+                        <a:t> and </a:t>
+                      </a:r>
+                      <a:r>
+                        <a:rPr lang="de-DE" sz="2400" dirty="0" err="1"/>
+                        <a:t>managers</a:t>
+                      </a:r>
+                      <a:r>
+                        <a:rPr lang="de-DE" sz="2400" dirty="0"/>
+                        <a:t> </a:t>
+                      </a:r>
+                      <a:r>
+                        <a:rPr lang="de-DE" sz="2400" dirty="0" err="1"/>
+                        <a:t>can</a:t>
+                      </a:r>
+                      <a:r>
+                        <a:rPr lang="de-DE" sz="2400" dirty="0"/>
+                        <a:t> </a:t>
+                      </a:r>
+                      <a:r>
+                        <a:rPr lang="de-DE" sz="2400" dirty="0" err="1"/>
+                        <a:t>see</a:t>
+                      </a:r>
+                      <a:r>
+                        <a:rPr lang="de-DE" sz="2400" dirty="0"/>
+                        <a:t> </a:t>
+                      </a:r>
+                      <a:r>
+                        <a:rPr lang="de-DE" sz="2400" dirty="0" err="1"/>
+                        <a:t>room</a:t>
+                      </a:r>
+                      <a:r>
+                        <a:rPr lang="de-DE" sz="2400" dirty="0"/>
+                        <a:t> </a:t>
+                      </a:r>
+                      <a:r>
+                        <a:rPr lang="de-DE" sz="2400" dirty="0" err="1"/>
+                        <a:t>for</a:t>
+                      </a:r>
+                      <a:r>
+                        <a:rPr lang="de-DE" sz="2400" dirty="0"/>
+                        <a:t> </a:t>
+                      </a:r>
+                      <a:r>
+                        <a:rPr lang="de-DE" sz="2400" dirty="0" err="1"/>
+                        <a:t>improvement</a:t>
+                      </a:r>
+                      <a:endParaRPr lang="de-DE" sz="2400" dirty="0"/>
+                    </a:p>
+                  </a:txBody>
+                  <a:tcPr/>
+                </a:tc>
+                <a:tc>
+                  <a:txBody>
+                    <a:bodyPr/>
+                    <a:lstStyle/>
+                    <a:p>
+                      <a:r>
+                        <a:rPr lang="de-DE" sz="2400" dirty="0"/>
+                        <a:t>Virtual power plants </a:t>
+                      </a:r>
+                      <a:r>
+                        <a:rPr lang="de-DE" sz="2400" dirty="0" err="1"/>
+                        <a:t>needs</a:t>
+                      </a:r>
+                      <a:r>
+                        <a:rPr lang="de-DE" sz="2400" dirty="0"/>
+                        <a:t> </a:t>
+                      </a:r>
+                      <a:r>
+                        <a:rPr lang="de-DE" sz="2400" dirty="0" err="1"/>
+                        <a:t>to</a:t>
+                      </a:r>
+                      <a:r>
+                        <a:rPr lang="de-DE" sz="2400" dirty="0"/>
+                        <a:t> </a:t>
+                      </a:r>
+                      <a:r>
+                        <a:rPr lang="de-DE" sz="2400" dirty="0" err="1"/>
+                        <a:t>fill</a:t>
+                      </a:r>
+                      <a:r>
+                        <a:rPr lang="de-DE" sz="2400" dirty="0"/>
+                        <a:t> </a:t>
+                      </a:r>
+                      <a:r>
+                        <a:rPr lang="de-DE" sz="2400" dirty="0" err="1"/>
+                        <a:t>or</a:t>
+                      </a:r>
+                      <a:r>
+                        <a:rPr lang="de-DE" sz="2400" dirty="0"/>
+                        <a:t> </a:t>
+                      </a:r>
+                      <a:r>
+                        <a:rPr lang="de-DE" sz="2400" dirty="0" err="1"/>
+                        <a:t>empty</a:t>
+                      </a:r>
+                      <a:r>
+                        <a:rPr lang="de-DE" sz="2400" dirty="0"/>
+                        <a:t> </a:t>
+                      </a:r>
+                      <a:r>
+                        <a:rPr lang="de-DE" sz="2400" dirty="0" err="1"/>
+                        <a:t>storage</a:t>
+                      </a:r>
+                      <a:r>
+                        <a:rPr lang="de-DE" sz="2400" dirty="0"/>
+                        <a:t> </a:t>
+                      </a:r>
+                      <a:r>
+                        <a:rPr lang="de-DE" sz="2400" dirty="0" err="1"/>
+                        <a:t>strategically</a:t>
+                      </a:r>
+                      <a:endParaRPr lang="de-DE" sz="2400" dirty="0"/>
+                    </a:p>
+                  </a:txBody>
+                  <a:tcPr/>
+                </a:tc>
+                <a:extLst>
+                  <a:ext uri="{0D108BD9-81ED-4DB2-BD59-A6C34878D82A}">
+                    <a16:rowId xmlns:a16="http://schemas.microsoft.com/office/drawing/2014/main" val="1141540373"/>
+                  </a:ext>
+                </a:extLst>
+              </a:tr>
+              <a:tr h="691038">
+                <a:tc>
+                  <a:txBody>
+                    <a:bodyPr/>
+                    <a:lstStyle/>
+                    <a:p>
+                      <a:pPr marL="0" marR="0" lvl="0" indent="0" algn="l" defTabSz="914400" rtl="0" eaLnBrk="1" fontAlgn="auto" latinLnBrk="0" hangingPunct="1">
+                        <a:lnSpc>
+                          <a:spcPct val="100000"/>
+                        </a:lnSpc>
+                        <a:spcBef>
+                          <a:spcPts val="0"/>
+                        </a:spcBef>
+                        <a:spcAft>
+                          <a:spcPts val="0"/>
+                        </a:spcAft>
+                        <a:buClrTx/>
+                        <a:buSzTx/>
+                        <a:buFontTx/>
+                        <a:buNone/>
+                        <a:tabLst/>
+                        <a:defRPr/>
+                      </a:pPr>
+                      <a:r>
+                        <a:rPr lang="de-DE" sz="2400" dirty="0"/>
+                        <a:t>Confidence </a:t>
+                      </a:r>
+                      <a:r>
+                        <a:rPr lang="de-DE" sz="2400" dirty="0" err="1"/>
+                        <a:t>interval</a:t>
+                      </a:r>
+                      <a:r>
+                        <a:rPr lang="de-DE" sz="2400" dirty="0"/>
+                        <a:t> </a:t>
+                      </a:r>
+                      <a:r>
+                        <a:rPr lang="de-DE" sz="2400" dirty="0" err="1"/>
+                        <a:t>shows</a:t>
+                      </a:r>
+                      <a:r>
+                        <a:rPr lang="de-DE" sz="2400" dirty="0"/>
+                        <a:t> </a:t>
+                      </a:r>
+                      <a:r>
+                        <a:rPr lang="de-DE" sz="2400" dirty="0" err="1"/>
+                        <a:t>realistic</a:t>
+                      </a:r>
+                      <a:r>
+                        <a:rPr lang="de-DE" sz="2400" dirty="0"/>
+                        <a:t> min/</a:t>
+                      </a:r>
+                      <a:r>
+                        <a:rPr lang="de-DE" sz="2400" dirty="0" err="1"/>
+                        <a:t>max</a:t>
+                      </a:r>
+                      <a:r>
+                        <a:rPr lang="de-DE" sz="2400" dirty="0"/>
+                        <a:t> </a:t>
+                      </a:r>
+                      <a:r>
+                        <a:rPr lang="de-DE" sz="2400" dirty="0" err="1"/>
+                        <a:t>peak-values</a:t>
+                      </a:r>
+                      <a:endParaRPr lang="de-DE" sz="2400" dirty="0"/>
+                    </a:p>
+                  </a:txBody>
+                  <a:tcPr/>
+                </a:tc>
+                <a:tc>
+                  <a:txBody>
+                    <a:bodyPr/>
+                    <a:lstStyle/>
+                    <a:p>
+                      <a:r>
+                        <a:rPr lang="de-DE" sz="2400" dirty="0"/>
+                        <a:t>Own-</a:t>
+                      </a:r>
+                      <a:r>
+                        <a:rPr lang="de-DE" sz="2400" dirty="0" err="1"/>
+                        <a:t>usage</a:t>
+                      </a:r>
+                      <a:r>
+                        <a:rPr lang="de-DE" sz="2400" dirty="0"/>
+                        <a:t> </a:t>
+                      </a:r>
+                      <a:r>
+                        <a:rPr lang="de-DE" sz="2400" dirty="0" err="1"/>
+                        <a:t>could</a:t>
+                      </a:r>
+                      <a:r>
+                        <a:rPr lang="de-DE" sz="2400" dirty="0"/>
+                        <a:t> </a:t>
+                      </a:r>
+                      <a:r>
+                        <a:rPr lang="de-DE" sz="2400" dirty="0" err="1"/>
+                        <a:t>be</a:t>
+                      </a:r>
+                      <a:r>
+                        <a:rPr lang="de-DE" sz="2400" dirty="0"/>
+                        <a:t> </a:t>
+                      </a:r>
+                      <a:r>
+                        <a:rPr lang="de-DE" sz="2400" dirty="0" err="1"/>
+                        <a:t>improved</a:t>
+                      </a:r>
+                      <a:r>
+                        <a:rPr lang="de-DE" sz="2400" dirty="0"/>
+                        <a:t> (e.g. </a:t>
+                      </a:r>
+                      <a:r>
+                        <a:rPr lang="de-DE" sz="2400" dirty="0" err="1"/>
+                        <a:t>wait</a:t>
+                      </a:r>
+                      <a:r>
+                        <a:rPr lang="de-DE" sz="2400" dirty="0"/>
+                        <a:t> 2 </a:t>
+                      </a:r>
+                      <a:r>
+                        <a:rPr lang="de-DE" sz="2400" dirty="0" err="1"/>
+                        <a:t>days</a:t>
+                      </a:r>
+                      <a:r>
+                        <a:rPr lang="de-DE" sz="2400" dirty="0"/>
+                        <a:t> </a:t>
+                      </a:r>
+                      <a:r>
+                        <a:rPr lang="de-DE" sz="2400" dirty="0" err="1"/>
+                        <a:t>to</a:t>
+                      </a:r>
+                      <a:r>
+                        <a:rPr lang="de-DE" sz="2400" dirty="0"/>
+                        <a:t> </a:t>
+                      </a:r>
+                      <a:r>
+                        <a:rPr lang="de-DE" sz="2400" dirty="0" err="1"/>
+                        <a:t>charge</a:t>
+                      </a:r>
+                      <a:r>
+                        <a:rPr lang="de-DE" sz="2400" dirty="0"/>
+                        <a:t> </a:t>
+                      </a:r>
+                      <a:r>
+                        <a:rPr lang="de-DE" sz="2400" dirty="0" err="1"/>
+                        <a:t>your</a:t>
+                      </a:r>
+                      <a:r>
+                        <a:rPr lang="de-DE" sz="2400" dirty="0"/>
+                        <a:t> </a:t>
+                      </a:r>
+                      <a:r>
+                        <a:rPr lang="de-DE" sz="2400" dirty="0" err="1"/>
+                        <a:t>car</a:t>
+                      </a:r>
+                      <a:r>
+                        <a:rPr lang="de-DE" sz="2400" dirty="0"/>
+                        <a:t>)</a:t>
+                      </a:r>
+                    </a:p>
+                  </a:txBody>
+                  <a:tcPr/>
+                </a:tc>
+                <a:extLst>
+                  <a:ext uri="{0D108BD9-81ED-4DB2-BD59-A6C34878D82A}">
+                    <a16:rowId xmlns:a16="http://schemas.microsoft.com/office/drawing/2014/main" val="2963403248"/>
+                  </a:ext>
+                </a:extLst>
+              </a:tr>
+            </a:tbl>
+          </a:graphicData>
+        </a:graphic>
+      </p:graphicFrame>
     </p:spTree>
     <p:extLst>
       <p:ext uri="{BB962C8B-B14F-4D97-AF65-F5344CB8AC3E}">
-        <p14:creationId xmlns:p14="http://schemas.microsoft.com/office/powerpoint/2010/main" val="955198207"/>
+        <p14:creationId xmlns:p14="http://schemas.microsoft.com/office/powerpoint/2010/main" val="572819636"/>
       </p:ext>
     </p:extLst>
   </p:cSld>
